--- a/Parcial 1/Practica2.pptx
+++ b/Parcial 1/Practica2.pptx
@@ -7,7 +7,12 @@
   <p:sldIdLst>
     <p:sldId id="256" r:id="rId2"/>
     <p:sldId id="257" r:id="rId3"/>
-    <p:sldId id="258" r:id="rId4"/>
+    <p:sldId id="259" r:id="rId4"/>
+    <p:sldId id="260" r:id="rId5"/>
+    <p:sldId id="261" r:id="rId6"/>
+    <p:sldId id="262" r:id="rId7"/>
+    <p:sldId id="263" r:id="rId8"/>
+    <p:sldId id="258" r:id="rId9"/>
   </p:sldIdLst>
   <p:sldSz cx="12192000" cy="6858000"/>
   <p:notesSz cx="6858000" cy="9144000"/>
@@ -106,6 +111,11 @@
       </a:defRPr>
     </a:lvl9pPr>
   </p:defaultTextStyle>
+  <p:extLst>
+    <p:ext uri="{EFAFB233-063F-42B5-8137-9DF3F51BA10A}">
+      <p15:sldGuideLst xmlns:p15="http://schemas.microsoft.com/office/powerpoint/2012/main"/>
+    </p:ext>
+  </p:extLst>
 </p:presentation>
 </file>
 
@@ -240,7 +250,7 @@
           <a:p>
             <a:fld id="{F613ACDD-85EB-4C56-B5DB-9C009F374F64}" type="datetimeFigureOut">
               <a:rPr lang="es-MX" smtClean="0"/>
-              <a:t>13/02/2025</a:t>
+              <a:t>18/02/2025</a:t>
             </a:fld>
             <a:endParaRPr lang="es-MX"/>
           </a:p>
@@ -410,7 +420,7 @@
           <a:p>
             <a:fld id="{F613ACDD-85EB-4C56-B5DB-9C009F374F64}" type="datetimeFigureOut">
               <a:rPr lang="es-MX" smtClean="0"/>
-              <a:t>13/02/2025</a:t>
+              <a:t>18/02/2025</a:t>
             </a:fld>
             <a:endParaRPr lang="es-MX"/>
           </a:p>
@@ -590,7 +600,7 @@
           <a:p>
             <a:fld id="{F613ACDD-85EB-4C56-B5DB-9C009F374F64}" type="datetimeFigureOut">
               <a:rPr lang="es-MX" smtClean="0"/>
-              <a:t>13/02/2025</a:t>
+              <a:t>18/02/2025</a:t>
             </a:fld>
             <a:endParaRPr lang="es-MX"/>
           </a:p>
@@ -760,7 +770,7 @@
           <a:p>
             <a:fld id="{F613ACDD-85EB-4C56-B5DB-9C009F374F64}" type="datetimeFigureOut">
               <a:rPr lang="es-MX" smtClean="0"/>
-              <a:t>13/02/2025</a:t>
+              <a:t>18/02/2025</a:t>
             </a:fld>
             <a:endParaRPr lang="es-MX"/>
           </a:p>
@@ -1006,7 +1016,7 @@
           <a:p>
             <a:fld id="{F613ACDD-85EB-4C56-B5DB-9C009F374F64}" type="datetimeFigureOut">
               <a:rPr lang="es-MX" smtClean="0"/>
-              <a:t>13/02/2025</a:t>
+              <a:t>18/02/2025</a:t>
             </a:fld>
             <a:endParaRPr lang="es-MX"/>
           </a:p>
@@ -1238,7 +1248,7 @@
           <a:p>
             <a:fld id="{F613ACDD-85EB-4C56-B5DB-9C009F374F64}" type="datetimeFigureOut">
               <a:rPr lang="es-MX" smtClean="0"/>
-              <a:t>13/02/2025</a:t>
+              <a:t>18/02/2025</a:t>
             </a:fld>
             <a:endParaRPr lang="es-MX"/>
           </a:p>
@@ -1605,7 +1615,7 @@
           <a:p>
             <a:fld id="{F613ACDD-85EB-4C56-B5DB-9C009F374F64}" type="datetimeFigureOut">
               <a:rPr lang="es-MX" smtClean="0"/>
-              <a:t>13/02/2025</a:t>
+              <a:t>18/02/2025</a:t>
             </a:fld>
             <a:endParaRPr lang="es-MX"/>
           </a:p>
@@ -1723,7 +1733,7 @@
           <a:p>
             <a:fld id="{F613ACDD-85EB-4C56-B5DB-9C009F374F64}" type="datetimeFigureOut">
               <a:rPr lang="es-MX" smtClean="0"/>
-              <a:t>13/02/2025</a:t>
+              <a:t>18/02/2025</a:t>
             </a:fld>
             <a:endParaRPr lang="es-MX"/>
           </a:p>
@@ -1818,7 +1828,7 @@
           <a:p>
             <a:fld id="{F613ACDD-85EB-4C56-B5DB-9C009F374F64}" type="datetimeFigureOut">
               <a:rPr lang="es-MX" smtClean="0"/>
-              <a:t>13/02/2025</a:t>
+              <a:t>18/02/2025</a:t>
             </a:fld>
             <a:endParaRPr lang="es-MX"/>
           </a:p>
@@ -2095,7 +2105,7 @@
           <a:p>
             <a:fld id="{F613ACDD-85EB-4C56-B5DB-9C009F374F64}" type="datetimeFigureOut">
               <a:rPr lang="es-MX" smtClean="0"/>
-              <a:t>13/02/2025</a:t>
+              <a:t>18/02/2025</a:t>
             </a:fld>
             <a:endParaRPr lang="es-MX"/>
           </a:p>
@@ -2348,7 +2358,7 @@
           <a:p>
             <a:fld id="{F613ACDD-85EB-4C56-B5DB-9C009F374F64}" type="datetimeFigureOut">
               <a:rPr lang="es-MX" smtClean="0"/>
-              <a:t>13/02/2025</a:t>
+              <a:t>18/02/2025</a:t>
             </a:fld>
             <a:endParaRPr lang="es-MX"/>
           </a:p>
@@ -2561,7 +2571,7 @@
           <a:p>
             <a:fld id="{F613ACDD-85EB-4C56-B5DB-9C009F374F64}" type="datetimeFigureOut">
               <a:rPr lang="es-MX" smtClean="0"/>
-              <a:t>13/02/2025</a:t>
+              <a:t>18/02/2025</a:t>
             </a:fld>
             <a:endParaRPr lang="es-MX"/>
           </a:p>
@@ -3133,13 +3143,13 @@
   <p:clrMapOvr>
     <a:masterClrMapping/>
   </p:clrMapOvr>
-  <mc:AlternateContent xmlns:mc="http://schemas.openxmlformats.org/markup-compatibility/2006">
-    <mc:Choice xmlns:p15="http://schemas.microsoft.com/office/powerpoint/2012/main" Requires="p15">
+  <mc:AlternateContent xmlns:mc="http://schemas.openxmlformats.org/markup-compatibility/2006" xmlns:p15="http://schemas.microsoft.com/office/powerpoint/2012/main">
+    <mc:Choice Requires="p15">
       <p:transition xmlns:p14="http://schemas.microsoft.com/office/powerpoint/2010/main" spd="slow" p14:dur="1250">
         <p15:prstTrans prst="pageCurlDouble"/>
       </p:transition>
     </mc:Choice>
-    <mc:Fallback>
+    <mc:Fallback xmlns="">
       <p:transition spd="slow">
         <p:fade/>
       </p:transition>
@@ -3381,13 +3391,13 @@
   <p:clrMapOvr>
     <a:masterClrMapping/>
   </p:clrMapOvr>
-  <mc:AlternateContent xmlns:mc="http://schemas.openxmlformats.org/markup-compatibility/2006">
-    <mc:Choice xmlns:p15="http://schemas.microsoft.com/office/powerpoint/2012/main" Requires="p15">
+  <mc:AlternateContent xmlns:mc="http://schemas.openxmlformats.org/markup-compatibility/2006" xmlns:p15="http://schemas.microsoft.com/office/powerpoint/2012/main">
+    <mc:Choice Requires="p15">
       <p:transition xmlns:p14="http://schemas.microsoft.com/office/powerpoint/2010/main" spd="slow" p14:dur="2000">
         <p15:prstTrans prst="drape"/>
       </p:transition>
     </mc:Choice>
-    <mc:Fallback>
+    <mc:Fallback xmlns="">
       <p:transition spd="slow">
         <p:fade/>
       </p:transition>
@@ -3428,6 +3438,1492 @@
         </p:nvSpPr>
         <p:spPr>
           <a:xfrm>
+            <a:off x="69014" y="0"/>
+            <a:ext cx="12192000" cy="6858000"/>
+          </a:xfrm>
+          <a:prstGeom prst="rect">
+            <a:avLst/>
+          </a:prstGeom>
+          <a:solidFill>
+            <a:schemeClr val="accent1">
+              <a:lumMod val="50000"/>
+            </a:schemeClr>
+          </a:solidFill>
+        </p:spPr>
+        <p:style>
+          <a:lnRef idx="2">
+            <a:schemeClr val="accent1">
+              <a:shade val="50000"/>
+            </a:schemeClr>
+          </a:lnRef>
+          <a:fillRef idx="1">
+            <a:schemeClr val="accent1"/>
+          </a:fillRef>
+          <a:effectRef idx="0">
+            <a:schemeClr val="accent1"/>
+          </a:effectRef>
+          <a:fontRef idx="minor">
+            <a:schemeClr val="lt1"/>
+          </a:fontRef>
+        </p:style>
+        <p:txBody>
+          <a:bodyPr rtlCol="0" anchor="ctr"/>
+          <a:lstStyle/>
+          <a:p>
+            <a:pPr algn="ctr"/>
+            <a:endParaRPr lang="es-MX"/>
+          </a:p>
+        </p:txBody>
+      </p:sp>
+      <p:sp>
+        <p:nvSpPr>
+          <p:cNvPr id="5" name="CuadroTexto 4"/>
+          <p:cNvSpPr txBox="1"/>
+          <p:nvPr/>
+        </p:nvSpPr>
+        <p:spPr>
+          <a:xfrm>
+            <a:off x="3186953" y="349624"/>
+            <a:ext cx="7705166" cy="1631216"/>
+          </a:xfrm>
+          <a:prstGeom prst="rect">
+            <a:avLst/>
+          </a:prstGeom>
+          <a:noFill/>
+        </p:spPr>
+        <p:txBody>
+          <a:bodyPr wrap="square" rtlCol="0">
+            <a:spAutoFit/>
+          </a:bodyPr>
+          <a:lstStyle/>
+          <a:p>
+            <a:r>
+              <a:rPr lang="es-MX" sz="10000" b="1" spc="50" dirty="0" smtClean="0">
+                <a:ln w="0"/>
+                <a:solidFill>
+                  <a:schemeClr val="bg2"/>
+                </a:solidFill>
+                <a:effectLst>
+                  <a:innerShdw blurRad="63500" dist="50800" dir="13500000">
+                    <a:srgbClr val="000000">
+                      <a:alpha val="50000"/>
+                    </a:srgbClr>
+                  </a:innerShdw>
+                </a:effectLst>
+              </a:rPr>
+              <a:t>Aquí estudio</a:t>
+            </a:r>
+            <a:endParaRPr lang="es-MX" sz="10000" b="1" spc="50" dirty="0" smtClean="0">
+              <a:ln w="0"/>
+              <a:solidFill>
+                <a:schemeClr val="bg2"/>
+              </a:solidFill>
+              <a:effectLst>
+                <a:innerShdw blurRad="63500" dist="50800" dir="13500000">
+                  <a:srgbClr val="000000">
+                    <a:alpha val="50000"/>
+                  </a:srgbClr>
+                </a:innerShdw>
+              </a:effectLst>
+            </a:endParaRPr>
+          </a:p>
+        </p:txBody>
+      </p:sp>
+      <p:sp>
+        <p:nvSpPr>
+          <p:cNvPr id="6" name="Elipse 5"/>
+          <p:cNvSpPr/>
+          <p:nvPr/>
+        </p:nvSpPr>
+        <p:spPr>
+          <a:xfrm>
+            <a:off x="-3213477" y="0"/>
+            <a:ext cx="6609806" cy="6858000"/>
+          </a:xfrm>
+          <a:prstGeom prst="ellipse">
+            <a:avLst/>
+          </a:prstGeom>
+        </p:spPr>
+        <p:style>
+          <a:lnRef idx="2">
+            <a:schemeClr val="accent1">
+              <a:shade val="50000"/>
+            </a:schemeClr>
+          </a:lnRef>
+          <a:fillRef idx="1">
+            <a:schemeClr val="accent1"/>
+          </a:fillRef>
+          <a:effectRef idx="0">
+            <a:schemeClr val="accent1"/>
+          </a:effectRef>
+          <a:fontRef idx="minor">
+            <a:schemeClr val="lt1"/>
+          </a:fontRef>
+        </p:style>
+        <p:txBody>
+          <a:bodyPr rtlCol="0" anchor="ctr"/>
+          <a:lstStyle/>
+          <a:p>
+            <a:pPr algn="ctr"/>
+            <a:endParaRPr lang="es-MX"/>
+          </a:p>
+        </p:txBody>
+      </p:sp>
+      <p:pic>
+        <p:nvPicPr>
+          <p:cNvPr id="2" name="Imagen 1"/>
+          <p:cNvPicPr>
+            <a:picLocks noChangeAspect="1"/>
+          </p:cNvPicPr>
+          <p:nvPr/>
+        </p:nvPicPr>
+        <p:blipFill>
+          <a:blip r:embed="rId2"/>
+          <a:stretch>
+            <a:fillRect/>
+          </a:stretch>
+        </p:blipFill>
+        <p:spPr>
+          <a:xfrm>
+            <a:off x="4225408" y="1806028"/>
+            <a:ext cx="4906823" cy="4193103"/>
+          </a:xfrm>
+          <a:prstGeom prst="rect">
+            <a:avLst/>
+          </a:prstGeom>
+        </p:spPr>
+      </p:pic>
+    </p:spTree>
+    <p:extLst>
+      <p:ext uri="{BB962C8B-B14F-4D97-AF65-F5344CB8AC3E}">
+        <p14:creationId xmlns:p14="http://schemas.microsoft.com/office/powerpoint/2010/main" val="789275950"/>
+      </p:ext>
+    </p:extLst>
+  </p:cSld>
+  <p:clrMapOvr>
+    <a:masterClrMapping/>
+  </p:clrMapOvr>
+  <mc:AlternateContent xmlns:mc="http://schemas.openxmlformats.org/markup-compatibility/2006" xmlns:p15="http://schemas.microsoft.com/office/powerpoint/2012/main">
+    <mc:Choice Requires="p15">
+      <p:transition xmlns:p14="http://schemas.microsoft.com/office/powerpoint/2010/main" spd="slow" p14:dur="2000">
+        <p15:prstTrans prst="drape"/>
+      </p:transition>
+    </mc:Choice>
+    <mc:Fallback xmlns="">
+      <p:transition spd="slow">
+        <p:fade/>
+      </p:transition>
+    </mc:Fallback>
+  </mc:AlternateContent>
+  <p:timing>
+    <p:tnLst>
+      <p:par>
+        <p:cTn id="1" dur="indefinite" restart="never" nodeType="tmRoot"/>
+      </p:par>
+    </p:tnLst>
+  </p:timing>
+</p:sld>
+</file>
+
+<file path=ppt/slides/slide4.xml><?xml version="1.0" encoding="utf-8"?>
+<p:sld xmlns:a="http://schemas.openxmlformats.org/drawingml/2006/main" xmlns:r="http://schemas.openxmlformats.org/officeDocument/2006/relationships" xmlns:p="http://schemas.openxmlformats.org/presentationml/2006/main">
+  <p:cSld>
+    <p:spTree>
+      <p:nvGrpSpPr>
+        <p:cNvPr id="1" name=""/>
+        <p:cNvGrpSpPr/>
+        <p:nvPr/>
+      </p:nvGrpSpPr>
+      <p:grpSpPr>
+        <a:xfrm>
+          <a:off x="0" y="0"/>
+          <a:ext cx="0" cy="0"/>
+          <a:chOff x="0" y="0"/>
+          <a:chExt cx="0" cy="0"/>
+        </a:xfrm>
+      </p:grpSpPr>
+      <p:sp>
+        <p:nvSpPr>
+          <p:cNvPr id="4" name="Rectángulo 3"/>
+          <p:cNvSpPr/>
+          <p:nvPr/>
+        </p:nvSpPr>
+        <p:spPr>
+          <a:xfrm>
+            <a:off x="69014" y="0"/>
+            <a:ext cx="12192000" cy="6858000"/>
+          </a:xfrm>
+          <a:prstGeom prst="rect">
+            <a:avLst/>
+          </a:prstGeom>
+          <a:solidFill>
+            <a:schemeClr val="accent1">
+              <a:lumMod val="50000"/>
+            </a:schemeClr>
+          </a:solidFill>
+        </p:spPr>
+        <p:style>
+          <a:lnRef idx="2">
+            <a:schemeClr val="accent1">
+              <a:shade val="50000"/>
+            </a:schemeClr>
+          </a:lnRef>
+          <a:fillRef idx="1">
+            <a:schemeClr val="accent1"/>
+          </a:fillRef>
+          <a:effectRef idx="0">
+            <a:schemeClr val="accent1"/>
+          </a:effectRef>
+          <a:fontRef idx="minor">
+            <a:schemeClr val="lt1"/>
+          </a:fontRef>
+        </p:style>
+        <p:txBody>
+          <a:bodyPr rtlCol="0" anchor="ctr"/>
+          <a:lstStyle/>
+          <a:p>
+            <a:pPr algn="ctr"/>
+            <a:endParaRPr lang="es-MX"/>
+          </a:p>
+        </p:txBody>
+      </p:sp>
+      <p:sp>
+        <p:nvSpPr>
+          <p:cNvPr id="5" name="CuadroTexto 4"/>
+          <p:cNvSpPr txBox="1"/>
+          <p:nvPr/>
+        </p:nvSpPr>
+        <p:spPr>
+          <a:xfrm>
+            <a:off x="5379593" y="349624"/>
+            <a:ext cx="5512526" cy="2246769"/>
+          </a:xfrm>
+          <a:prstGeom prst="rect">
+            <a:avLst/>
+          </a:prstGeom>
+          <a:noFill/>
+        </p:spPr>
+        <p:txBody>
+          <a:bodyPr wrap="square" rtlCol="0">
+            <a:spAutoFit/>
+          </a:bodyPr>
+          <a:lstStyle/>
+          <a:p>
+            <a:r>
+              <a:rPr lang="es-MX" sz="14000" b="1" spc="50" dirty="0" smtClean="0">
+                <a:ln w="0"/>
+                <a:solidFill>
+                  <a:schemeClr val="bg2"/>
+                </a:solidFill>
+                <a:effectLst>
+                  <a:innerShdw blurRad="63500" dist="50800" dir="13500000">
+                    <a:srgbClr val="000000">
+                      <a:alpha val="50000"/>
+                    </a:srgbClr>
+                  </a:innerShdw>
+                </a:effectLst>
+              </a:rPr>
+              <a:t>Gustos</a:t>
+            </a:r>
+            <a:endParaRPr lang="es-MX" sz="14000" b="1" spc="50" dirty="0" smtClean="0">
+              <a:ln w="0"/>
+              <a:solidFill>
+                <a:schemeClr val="bg2"/>
+              </a:solidFill>
+              <a:effectLst>
+                <a:innerShdw blurRad="63500" dist="50800" dir="13500000">
+                  <a:srgbClr val="000000">
+                    <a:alpha val="50000"/>
+                  </a:srgbClr>
+                </a:innerShdw>
+              </a:effectLst>
+            </a:endParaRPr>
+          </a:p>
+        </p:txBody>
+      </p:sp>
+      <p:sp>
+        <p:nvSpPr>
+          <p:cNvPr id="6" name="Elipse 5"/>
+          <p:cNvSpPr/>
+          <p:nvPr/>
+        </p:nvSpPr>
+        <p:spPr>
+          <a:xfrm>
+            <a:off x="-3213477" y="0"/>
+            <a:ext cx="6609806" cy="6858000"/>
+          </a:xfrm>
+          <a:prstGeom prst="ellipse">
+            <a:avLst/>
+          </a:prstGeom>
+        </p:spPr>
+        <p:style>
+          <a:lnRef idx="2">
+            <a:schemeClr val="accent1">
+              <a:shade val="50000"/>
+            </a:schemeClr>
+          </a:lnRef>
+          <a:fillRef idx="1">
+            <a:schemeClr val="accent1"/>
+          </a:fillRef>
+          <a:effectRef idx="0">
+            <a:schemeClr val="accent1"/>
+          </a:effectRef>
+          <a:fontRef idx="minor">
+            <a:schemeClr val="lt1"/>
+          </a:fontRef>
+        </p:style>
+        <p:txBody>
+          <a:bodyPr rtlCol="0" anchor="ctr"/>
+          <a:lstStyle/>
+          <a:p>
+            <a:pPr algn="ctr"/>
+            <a:endParaRPr lang="es-MX"/>
+          </a:p>
+        </p:txBody>
+      </p:sp>
+      <p:sp>
+        <p:nvSpPr>
+          <p:cNvPr id="7" name="CuadroTexto 6"/>
+          <p:cNvSpPr txBox="1"/>
+          <p:nvPr/>
+        </p:nvSpPr>
+        <p:spPr>
+          <a:xfrm>
+            <a:off x="4351083" y="2515130"/>
+            <a:ext cx="7603351" cy="1631216"/>
+          </a:xfrm>
+          <a:prstGeom prst="rect">
+            <a:avLst/>
+          </a:prstGeom>
+          <a:noFill/>
+        </p:spPr>
+        <p:txBody>
+          <a:bodyPr wrap="square" rtlCol="0">
+            <a:spAutoFit/>
+          </a:bodyPr>
+          <a:lstStyle/>
+          <a:p>
+            <a:r>
+              <a:rPr lang="es-MX" sz="5000" b="1" spc="50" dirty="0" smtClean="0">
+                <a:ln w="0"/>
+                <a:solidFill>
+                  <a:schemeClr val="bg2"/>
+                </a:solidFill>
+                <a:effectLst>
+                  <a:innerShdw blurRad="63500" dist="50800" dir="13500000">
+                    <a:srgbClr val="000000">
+                      <a:alpha val="50000"/>
+                    </a:srgbClr>
+                  </a:innerShdw>
+                </a:effectLst>
+              </a:rPr>
+              <a:t>Me gusta programar con </a:t>
+            </a:r>
+            <a:r>
+              <a:rPr lang="es-MX" sz="5000" b="1" spc="50" dirty="0" err="1" smtClean="0">
+                <a:ln w="0"/>
+                <a:solidFill>
+                  <a:schemeClr val="bg2"/>
+                </a:solidFill>
+                <a:effectLst>
+                  <a:innerShdw blurRad="63500" dist="50800" dir="13500000">
+                    <a:srgbClr val="000000">
+                      <a:alpha val="50000"/>
+                    </a:srgbClr>
+                  </a:innerShdw>
+                </a:effectLst>
+              </a:rPr>
+              <a:t>rochin</a:t>
+            </a:r>
+            <a:r>
+              <a:rPr lang="es-MX" sz="5000" b="1" spc="50" dirty="0" smtClean="0">
+                <a:ln w="0"/>
+                <a:solidFill>
+                  <a:schemeClr val="bg2"/>
+                </a:solidFill>
+                <a:effectLst>
+                  <a:innerShdw blurRad="63500" dist="50800" dir="13500000">
+                    <a:srgbClr val="000000">
+                      <a:alpha val="50000"/>
+                    </a:srgbClr>
+                  </a:innerShdw>
+                </a:effectLst>
+              </a:rPr>
+              <a:t> (Dios </a:t>
+            </a:r>
+            <a:r>
+              <a:rPr lang="es-MX" sz="5000" b="1" spc="50" dirty="0" err="1" smtClean="0">
+                <a:ln w="0"/>
+                <a:solidFill>
+                  <a:schemeClr val="bg2"/>
+                </a:solidFill>
+                <a:effectLst>
+                  <a:innerShdw blurRad="63500" dist="50800" dir="13500000">
+                    <a:srgbClr val="000000">
+                      <a:alpha val="50000"/>
+                    </a:srgbClr>
+                  </a:innerShdw>
+                </a:effectLst>
+              </a:rPr>
+              <a:t>rochin</a:t>
+            </a:r>
+            <a:r>
+              <a:rPr lang="es-MX" sz="5000" b="1" spc="50" dirty="0" smtClean="0">
+                <a:ln w="0"/>
+                <a:solidFill>
+                  <a:schemeClr val="bg2"/>
+                </a:solidFill>
+                <a:effectLst>
+                  <a:innerShdw blurRad="63500" dist="50800" dir="13500000">
+                    <a:srgbClr val="000000">
+                      <a:alpha val="50000"/>
+                    </a:srgbClr>
+                  </a:innerShdw>
+                </a:effectLst>
+              </a:rPr>
+              <a:t>)</a:t>
+            </a:r>
+            <a:endParaRPr lang="es-MX" sz="5000" b="1" spc="50" dirty="0" smtClean="0">
+              <a:ln w="0"/>
+              <a:solidFill>
+                <a:schemeClr val="bg2"/>
+              </a:solidFill>
+              <a:effectLst>
+                <a:innerShdw blurRad="63500" dist="50800" dir="13500000">
+                  <a:srgbClr val="000000">
+                    <a:alpha val="50000"/>
+                  </a:srgbClr>
+                </a:innerShdw>
+              </a:effectLst>
+            </a:endParaRPr>
+          </a:p>
+        </p:txBody>
+      </p:sp>
+    </p:spTree>
+    <p:extLst>
+      <p:ext uri="{BB962C8B-B14F-4D97-AF65-F5344CB8AC3E}">
+        <p14:creationId xmlns:p14="http://schemas.microsoft.com/office/powerpoint/2010/main" val="4286006882"/>
+      </p:ext>
+    </p:extLst>
+  </p:cSld>
+  <p:clrMapOvr>
+    <a:masterClrMapping/>
+  </p:clrMapOvr>
+  <mc:AlternateContent xmlns:mc="http://schemas.openxmlformats.org/markup-compatibility/2006" xmlns:p15="http://schemas.microsoft.com/office/powerpoint/2012/main">
+    <mc:Choice Requires="p15">
+      <p:transition xmlns:p14="http://schemas.microsoft.com/office/powerpoint/2010/main" spd="slow" p14:dur="2000">
+        <p15:prstTrans prst="drape"/>
+      </p:transition>
+    </mc:Choice>
+    <mc:Fallback xmlns="">
+      <p:transition spd="slow">
+        <p:fade/>
+      </p:transition>
+    </mc:Fallback>
+  </mc:AlternateContent>
+  <p:timing>
+    <p:tnLst>
+      <p:par>
+        <p:cTn id="1" dur="indefinite" restart="never" nodeType="tmRoot"/>
+      </p:par>
+    </p:tnLst>
+  </p:timing>
+</p:sld>
+</file>
+
+<file path=ppt/slides/slide5.xml><?xml version="1.0" encoding="utf-8"?>
+<p:sld xmlns:a="http://schemas.openxmlformats.org/drawingml/2006/main" xmlns:r="http://schemas.openxmlformats.org/officeDocument/2006/relationships" xmlns:p="http://schemas.openxmlformats.org/presentationml/2006/main">
+  <p:cSld>
+    <p:spTree>
+      <p:nvGrpSpPr>
+        <p:cNvPr id="1" name=""/>
+        <p:cNvGrpSpPr/>
+        <p:nvPr/>
+      </p:nvGrpSpPr>
+      <p:grpSpPr>
+        <a:xfrm>
+          <a:off x="0" y="0"/>
+          <a:ext cx="0" cy="0"/>
+          <a:chOff x="0" y="0"/>
+          <a:chExt cx="0" cy="0"/>
+        </a:xfrm>
+      </p:grpSpPr>
+      <p:sp>
+        <p:nvSpPr>
+          <p:cNvPr id="4" name="Rectángulo 3"/>
+          <p:cNvSpPr/>
+          <p:nvPr/>
+        </p:nvSpPr>
+        <p:spPr>
+          <a:xfrm>
+            <a:off x="69014" y="0"/>
+            <a:ext cx="12192000" cy="6858000"/>
+          </a:xfrm>
+          <a:prstGeom prst="rect">
+            <a:avLst/>
+          </a:prstGeom>
+          <a:solidFill>
+            <a:schemeClr val="accent1">
+              <a:lumMod val="50000"/>
+            </a:schemeClr>
+          </a:solidFill>
+        </p:spPr>
+        <p:style>
+          <a:lnRef idx="2">
+            <a:schemeClr val="accent1">
+              <a:shade val="50000"/>
+            </a:schemeClr>
+          </a:lnRef>
+          <a:fillRef idx="1">
+            <a:schemeClr val="accent1"/>
+          </a:fillRef>
+          <a:effectRef idx="0">
+            <a:schemeClr val="accent1"/>
+          </a:effectRef>
+          <a:fontRef idx="minor">
+            <a:schemeClr val="lt1"/>
+          </a:fontRef>
+        </p:style>
+        <p:txBody>
+          <a:bodyPr rtlCol="0" anchor="ctr"/>
+          <a:lstStyle/>
+          <a:p>
+            <a:pPr algn="ctr"/>
+            <a:endParaRPr lang="es-MX"/>
+          </a:p>
+        </p:txBody>
+      </p:sp>
+      <p:sp>
+        <p:nvSpPr>
+          <p:cNvPr id="5" name="CuadroTexto 4"/>
+          <p:cNvSpPr txBox="1"/>
+          <p:nvPr/>
+        </p:nvSpPr>
+        <p:spPr>
+          <a:xfrm>
+            <a:off x="3146611" y="349624"/>
+            <a:ext cx="7745507" cy="1631216"/>
+          </a:xfrm>
+          <a:prstGeom prst="rect">
+            <a:avLst/>
+          </a:prstGeom>
+          <a:noFill/>
+        </p:spPr>
+        <p:txBody>
+          <a:bodyPr wrap="square" rtlCol="0">
+            <a:spAutoFit/>
+          </a:bodyPr>
+          <a:lstStyle/>
+          <a:p>
+            <a:r>
+              <a:rPr lang="es-MX" sz="10000" b="1" spc="50" dirty="0" smtClean="0">
+                <a:ln w="0"/>
+                <a:solidFill>
+                  <a:schemeClr val="bg2"/>
+                </a:solidFill>
+                <a:effectLst>
+                  <a:innerShdw blurRad="63500" dist="50800" dir="13500000">
+                    <a:srgbClr val="000000">
+                      <a:alpha val="50000"/>
+                    </a:srgbClr>
+                  </a:innerShdw>
+                </a:effectLst>
+              </a:rPr>
+              <a:t>Pasatiempos</a:t>
+            </a:r>
+            <a:endParaRPr lang="es-MX" sz="10000" b="1" spc="50" dirty="0" smtClean="0">
+              <a:ln w="0"/>
+              <a:solidFill>
+                <a:schemeClr val="bg2"/>
+              </a:solidFill>
+              <a:effectLst>
+                <a:innerShdw blurRad="63500" dist="50800" dir="13500000">
+                  <a:srgbClr val="000000">
+                    <a:alpha val="50000"/>
+                  </a:srgbClr>
+                </a:innerShdw>
+              </a:effectLst>
+            </a:endParaRPr>
+          </a:p>
+        </p:txBody>
+      </p:sp>
+      <p:sp>
+        <p:nvSpPr>
+          <p:cNvPr id="6" name="Elipse 5"/>
+          <p:cNvSpPr/>
+          <p:nvPr/>
+        </p:nvSpPr>
+        <p:spPr>
+          <a:xfrm>
+            <a:off x="-3213477" y="0"/>
+            <a:ext cx="6609806" cy="6858000"/>
+          </a:xfrm>
+          <a:prstGeom prst="ellipse">
+            <a:avLst/>
+          </a:prstGeom>
+        </p:spPr>
+        <p:style>
+          <a:lnRef idx="2">
+            <a:schemeClr val="accent1">
+              <a:shade val="50000"/>
+            </a:schemeClr>
+          </a:lnRef>
+          <a:fillRef idx="1">
+            <a:schemeClr val="accent1"/>
+          </a:fillRef>
+          <a:effectRef idx="0">
+            <a:schemeClr val="accent1"/>
+          </a:effectRef>
+          <a:fontRef idx="minor">
+            <a:schemeClr val="lt1"/>
+          </a:fontRef>
+        </p:style>
+        <p:txBody>
+          <a:bodyPr rtlCol="0" anchor="ctr"/>
+          <a:lstStyle/>
+          <a:p>
+            <a:pPr algn="ctr"/>
+            <a:endParaRPr lang="es-MX"/>
+          </a:p>
+        </p:txBody>
+      </p:sp>
+      <p:sp>
+        <p:nvSpPr>
+          <p:cNvPr id="7" name="CuadroTexto 6"/>
+          <p:cNvSpPr txBox="1"/>
+          <p:nvPr/>
+        </p:nvSpPr>
+        <p:spPr>
+          <a:xfrm>
+            <a:off x="8928847" y="2124636"/>
+            <a:ext cx="3025587" cy="3170099"/>
+          </a:xfrm>
+          <a:prstGeom prst="rect">
+            <a:avLst/>
+          </a:prstGeom>
+          <a:noFill/>
+        </p:spPr>
+        <p:txBody>
+          <a:bodyPr wrap="square" rtlCol="0">
+            <a:spAutoFit/>
+          </a:bodyPr>
+          <a:lstStyle/>
+          <a:p>
+            <a:r>
+              <a:rPr lang="es-MX" sz="5000" b="1" spc="50" dirty="0" smtClean="0">
+                <a:ln w="0"/>
+                <a:solidFill>
+                  <a:schemeClr val="bg2"/>
+                </a:solidFill>
+                <a:effectLst>
+                  <a:innerShdw blurRad="63500" dist="50800" dir="13500000">
+                    <a:srgbClr val="000000">
+                      <a:alpha val="50000"/>
+                    </a:srgbClr>
+                  </a:innerShdw>
+                </a:effectLst>
+              </a:rPr>
+              <a:t>Me gusta venir aquí con amigos</a:t>
+            </a:r>
+            <a:endParaRPr lang="es-MX" sz="5000" b="1" spc="50" dirty="0" smtClean="0">
+              <a:ln w="0"/>
+              <a:solidFill>
+                <a:schemeClr val="bg2"/>
+              </a:solidFill>
+              <a:effectLst>
+                <a:innerShdw blurRad="63500" dist="50800" dir="13500000">
+                  <a:srgbClr val="000000">
+                    <a:alpha val="50000"/>
+                  </a:srgbClr>
+                </a:innerShdw>
+              </a:effectLst>
+            </a:endParaRPr>
+          </a:p>
+        </p:txBody>
+      </p:sp>
+      <p:pic>
+        <p:nvPicPr>
+          <p:cNvPr id="2" name="Imagen 1"/>
+          <p:cNvPicPr>
+            <a:picLocks noChangeAspect="1"/>
+          </p:cNvPicPr>
+          <p:nvPr/>
+        </p:nvPicPr>
+        <p:blipFill>
+          <a:blip r:embed="rId2"/>
+          <a:stretch>
+            <a:fillRect/>
+          </a:stretch>
+        </p:blipFill>
+        <p:spPr>
+          <a:xfrm>
+            <a:off x="3493367" y="1980840"/>
+            <a:ext cx="4963218" cy="4467849"/>
+          </a:xfrm>
+          <a:prstGeom prst="rect">
+            <a:avLst/>
+          </a:prstGeom>
+        </p:spPr>
+      </p:pic>
+    </p:spTree>
+    <p:extLst>
+      <p:ext uri="{BB962C8B-B14F-4D97-AF65-F5344CB8AC3E}">
+        <p14:creationId xmlns:p14="http://schemas.microsoft.com/office/powerpoint/2010/main" val="1758016962"/>
+      </p:ext>
+    </p:extLst>
+  </p:cSld>
+  <p:clrMapOvr>
+    <a:masterClrMapping/>
+  </p:clrMapOvr>
+  <mc:AlternateContent xmlns:mc="http://schemas.openxmlformats.org/markup-compatibility/2006" xmlns:p15="http://schemas.microsoft.com/office/powerpoint/2012/main">
+    <mc:Choice Requires="p15">
+      <p:transition xmlns:p14="http://schemas.microsoft.com/office/powerpoint/2010/main" spd="slow" p14:dur="2000">
+        <p15:prstTrans prst="drape"/>
+      </p:transition>
+    </mc:Choice>
+    <mc:Fallback xmlns="">
+      <p:transition spd="slow">
+        <p:fade/>
+      </p:transition>
+    </mc:Fallback>
+  </mc:AlternateContent>
+  <p:timing>
+    <p:tnLst>
+      <p:par>
+        <p:cTn id="1" dur="indefinite" restart="never" nodeType="tmRoot"/>
+      </p:par>
+    </p:tnLst>
+  </p:timing>
+</p:sld>
+</file>
+
+<file path=ppt/slides/slide6.xml><?xml version="1.0" encoding="utf-8"?>
+<p:sld xmlns:a="http://schemas.openxmlformats.org/drawingml/2006/main" xmlns:r="http://schemas.openxmlformats.org/officeDocument/2006/relationships" xmlns:p="http://schemas.openxmlformats.org/presentationml/2006/main">
+  <p:cSld>
+    <p:spTree>
+      <p:nvGrpSpPr>
+        <p:cNvPr id="1" name=""/>
+        <p:cNvGrpSpPr/>
+        <p:nvPr/>
+      </p:nvGrpSpPr>
+      <p:grpSpPr>
+        <a:xfrm>
+          <a:off x="0" y="0"/>
+          <a:ext cx="0" cy="0"/>
+          <a:chOff x="0" y="0"/>
+          <a:chExt cx="0" cy="0"/>
+        </a:xfrm>
+      </p:grpSpPr>
+      <p:sp>
+        <p:nvSpPr>
+          <p:cNvPr id="4" name="Rectángulo 3"/>
+          <p:cNvSpPr/>
+          <p:nvPr/>
+        </p:nvSpPr>
+        <p:spPr>
+          <a:xfrm>
+            <a:off x="69014" y="0"/>
+            <a:ext cx="12192000" cy="6858000"/>
+          </a:xfrm>
+          <a:prstGeom prst="rect">
+            <a:avLst/>
+          </a:prstGeom>
+          <a:solidFill>
+            <a:schemeClr val="accent1">
+              <a:lumMod val="50000"/>
+            </a:schemeClr>
+          </a:solidFill>
+        </p:spPr>
+        <p:style>
+          <a:lnRef idx="2">
+            <a:schemeClr val="accent1">
+              <a:shade val="50000"/>
+            </a:schemeClr>
+          </a:lnRef>
+          <a:fillRef idx="1">
+            <a:schemeClr val="accent1"/>
+          </a:fillRef>
+          <a:effectRef idx="0">
+            <a:schemeClr val="accent1"/>
+          </a:effectRef>
+          <a:fontRef idx="minor">
+            <a:schemeClr val="lt1"/>
+          </a:fontRef>
+        </p:style>
+        <p:txBody>
+          <a:bodyPr rtlCol="0" anchor="ctr"/>
+          <a:lstStyle/>
+          <a:p>
+            <a:pPr algn="ctr"/>
+            <a:endParaRPr lang="es-MX"/>
+          </a:p>
+        </p:txBody>
+      </p:sp>
+      <p:sp>
+        <p:nvSpPr>
+          <p:cNvPr id="5" name="CuadroTexto 4"/>
+          <p:cNvSpPr txBox="1"/>
+          <p:nvPr/>
+        </p:nvSpPr>
+        <p:spPr>
+          <a:xfrm>
+            <a:off x="5379593" y="349624"/>
+            <a:ext cx="5512526" cy="2246769"/>
+          </a:xfrm>
+          <a:prstGeom prst="rect">
+            <a:avLst/>
+          </a:prstGeom>
+          <a:noFill/>
+        </p:spPr>
+        <p:txBody>
+          <a:bodyPr wrap="square" rtlCol="0">
+            <a:spAutoFit/>
+          </a:bodyPr>
+          <a:lstStyle/>
+          <a:p>
+            <a:r>
+              <a:rPr lang="es-MX" sz="14000" b="1" spc="50" dirty="0" err="1" smtClean="0">
+                <a:ln w="0"/>
+                <a:solidFill>
+                  <a:schemeClr val="bg2"/>
+                </a:solidFill>
+                <a:effectLst>
+                  <a:innerShdw blurRad="63500" dist="50800" dir="13500000">
+                    <a:srgbClr val="000000">
+                      <a:alpha val="50000"/>
+                    </a:srgbClr>
+                  </a:innerShdw>
+                </a:effectLst>
+              </a:rPr>
+              <a:t>Shrek</a:t>
+            </a:r>
+            <a:endParaRPr lang="es-MX" sz="14000" b="1" spc="50" dirty="0" smtClean="0">
+              <a:ln w="0"/>
+              <a:solidFill>
+                <a:schemeClr val="bg2"/>
+              </a:solidFill>
+              <a:effectLst>
+                <a:innerShdw blurRad="63500" dist="50800" dir="13500000">
+                  <a:srgbClr val="000000">
+                    <a:alpha val="50000"/>
+                  </a:srgbClr>
+                </a:innerShdw>
+              </a:effectLst>
+            </a:endParaRPr>
+          </a:p>
+        </p:txBody>
+      </p:sp>
+      <p:sp>
+        <p:nvSpPr>
+          <p:cNvPr id="6" name="Elipse 5"/>
+          <p:cNvSpPr/>
+          <p:nvPr/>
+        </p:nvSpPr>
+        <p:spPr>
+          <a:xfrm>
+            <a:off x="-3213477" y="0"/>
+            <a:ext cx="6609806" cy="6858000"/>
+          </a:xfrm>
+          <a:prstGeom prst="ellipse">
+            <a:avLst/>
+          </a:prstGeom>
+        </p:spPr>
+        <p:style>
+          <a:lnRef idx="2">
+            <a:schemeClr val="accent1">
+              <a:shade val="50000"/>
+            </a:schemeClr>
+          </a:lnRef>
+          <a:fillRef idx="1">
+            <a:schemeClr val="accent1"/>
+          </a:fillRef>
+          <a:effectRef idx="0">
+            <a:schemeClr val="accent1"/>
+          </a:effectRef>
+          <a:fontRef idx="minor">
+            <a:schemeClr val="lt1"/>
+          </a:fontRef>
+        </p:style>
+        <p:txBody>
+          <a:bodyPr rtlCol="0" anchor="ctr"/>
+          <a:lstStyle/>
+          <a:p>
+            <a:pPr algn="ctr"/>
+            <a:endParaRPr lang="es-MX"/>
+          </a:p>
+        </p:txBody>
+      </p:sp>
+      <p:pic>
+        <p:nvPicPr>
+          <p:cNvPr id="1026" name="Picture 2" descr="Shrek (DreamWorks) | Ficción Sin Límites Wiki | Fandom"/>
+          <p:cNvPicPr>
+            <a:picLocks noChangeAspect="1" noChangeArrowheads="1"/>
+          </p:cNvPicPr>
+          <p:nvPr/>
+        </p:nvPicPr>
+        <p:blipFill>
+          <a:blip r:embed="rId2">
+            <a:extLst>
+              <a:ext uri="{28A0092B-C50C-407E-A947-70E740481C1C}">
+                <a14:useLocalDpi xmlns:a14="http://schemas.microsoft.com/office/drawing/2010/main" val="0"/>
+              </a:ext>
+            </a:extLst>
+          </a:blip>
+          <a:srcRect/>
+          <a:stretch>
+            <a:fillRect/>
+          </a:stretch>
+        </p:blipFill>
+        <p:spPr bwMode="auto">
+          <a:xfrm>
+            <a:off x="-308993" y="2136928"/>
+            <a:ext cx="3183487" cy="2839006"/>
+          </a:xfrm>
+          <a:prstGeom prst="rect">
+            <a:avLst/>
+          </a:prstGeom>
+          <a:noFill/>
+          <a:extLst>
+            <a:ext uri="{909E8E84-426E-40DD-AFC4-6F175D3DCCD1}">
+              <a14:hiddenFill xmlns:a14="http://schemas.microsoft.com/office/drawing/2010/main">
+                <a:solidFill>
+                  <a:srgbClr val="FFFFFF"/>
+                </a:solidFill>
+              </a14:hiddenFill>
+            </a:ext>
+          </a:extLst>
+        </p:spPr>
+      </p:pic>
+      <p:sp>
+        <p:nvSpPr>
+          <p:cNvPr id="2" name="CuadroTexto 1"/>
+          <p:cNvSpPr txBox="1"/>
+          <p:nvPr/>
+        </p:nvSpPr>
+        <p:spPr>
+          <a:xfrm>
+            <a:off x="2935664" y="2494114"/>
+            <a:ext cx="9063317" cy="3539430"/>
+          </a:xfrm>
+          <a:prstGeom prst="rect">
+            <a:avLst/>
+          </a:prstGeom>
+          <a:noFill/>
+        </p:spPr>
+        <p:txBody>
+          <a:bodyPr wrap="square" rtlCol="0">
+            <a:spAutoFit/>
+          </a:bodyPr>
+          <a:lstStyle/>
+          <a:p>
+            <a:r>
+              <a:rPr lang="es-MX" sz="1400" dirty="0" err="1"/>
+              <a:t>Shrek</a:t>
+            </a:r>
+            <a:r>
+              <a:rPr lang="es-MX" sz="1400" dirty="0"/>
+              <a:t> es una película de comedia estadounidense de animación por computadora estrenada en 2001 basada en el libro homónimo de William </a:t>
+            </a:r>
+            <a:r>
+              <a:rPr lang="es-MX" sz="1400" dirty="0" err="1"/>
+              <a:t>Steig</a:t>
+            </a:r>
+            <a:r>
+              <a:rPr lang="es-MX" sz="1400" dirty="0"/>
+              <a:t> de 1990. Es la primera entrega de la franquicia </a:t>
+            </a:r>
+            <a:r>
+              <a:rPr lang="es-MX" sz="1400" dirty="0" err="1"/>
+              <a:t>Shrek</a:t>
+            </a:r>
+            <a:r>
+              <a:rPr lang="es-MX" sz="1400" dirty="0"/>
+              <a:t>. Andrew </a:t>
+            </a:r>
+            <a:r>
+              <a:rPr lang="es-MX" sz="1400" dirty="0" err="1"/>
+              <a:t>Adamson</a:t>
+            </a:r>
+            <a:r>
+              <a:rPr lang="es-MX" sz="1400" dirty="0"/>
+              <a:t> y Vicky </a:t>
+            </a:r>
+            <a:r>
+              <a:rPr lang="es-MX" sz="1400" dirty="0" err="1"/>
+              <a:t>Jenson</a:t>
+            </a:r>
+            <a:r>
+              <a:rPr lang="es-MX" sz="1400" dirty="0"/>
+              <a:t> en su debut como directores de largometrajes, dirigieron la película a partir de un guion escrito por </a:t>
+            </a:r>
+            <a:r>
+              <a:rPr lang="es-MX" sz="1400" dirty="0" err="1"/>
+              <a:t>Joe</a:t>
+            </a:r>
+            <a:r>
+              <a:rPr lang="es-MX" sz="1400" dirty="0"/>
+              <a:t> </a:t>
+            </a:r>
+            <a:r>
+              <a:rPr lang="es-MX" sz="1400" dirty="0" err="1"/>
+              <a:t>Stillman</a:t>
+            </a:r>
+            <a:r>
+              <a:rPr lang="es-MX" sz="1400" dirty="0"/>
+              <a:t>, Roger S. H. </a:t>
+            </a:r>
+            <a:r>
+              <a:rPr lang="es-MX" sz="1400" dirty="0" err="1"/>
+              <a:t>Schulman</a:t>
+            </a:r>
+            <a:r>
+              <a:rPr lang="es-MX" sz="1400" dirty="0"/>
+              <a:t> y el equipo de guionistas formado por Ted </a:t>
+            </a:r>
+            <a:r>
+              <a:rPr lang="es-MX" sz="1400" dirty="0" err="1"/>
+              <a:t>Elliott</a:t>
+            </a:r>
+            <a:r>
+              <a:rPr lang="es-MX" sz="1400" dirty="0"/>
+              <a:t> y Terry </a:t>
+            </a:r>
+            <a:r>
+              <a:rPr lang="es-MX" sz="1400" dirty="0" err="1"/>
+              <a:t>Rossio</a:t>
+            </a:r>
+            <a:r>
+              <a:rPr lang="es-MX" sz="1400" dirty="0"/>
+              <a:t>. Está protagonizada por las voces de Mike Myers, Eddie Murphy, Cameron </a:t>
+            </a:r>
+            <a:r>
+              <a:rPr lang="es-MX" sz="1400" dirty="0" err="1"/>
+              <a:t>Diaz</a:t>
+            </a:r>
+            <a:r>
+              <a:rPr lang="es-MX" sz="1400" dirty="0"/>
+              <a:t> y John </a:t>
+            </a:r>
+            <a:r>
+              <a:rPr lang="es-MX" sz="1400" dirty="0" err="1"/>
+              <a:t>Lithgow</a:t>
+            </a:r>
+            <a:r>
+              <a:rPr lang="es-MX" sz="1400" dirty="0"/>
+              <a:t>. En la película, el ogro </a:t>
+            </a:r>
+            <a:r>
+              <a:rPr lang="es-MX" sz="1400" dirty="0" err="1"/>
+              <a:t>Shrek</a:t>
+            </a:r>
+            <a:r>
+              <a:rPr lang="es-MX" sz="1400" dirty="0"/>
+              <a:t> (Myers) encuentra su hogar en el pantano invadido por criaturas de cuentos de hadas desterradas por Lord </a:t>
+            </a:r>
+            <a:r>
+              <a:rPr lang="es-MX" sz="1400" dirty="0" err="1"/>
+              <a:t>Farquaad</a:t>
+            </a:r>
+            <a:r>
+              <a:rPr lang="es-MX" sz="1400" dirty="0"/>
+              <a:t> (</a:t>
+            </a:r>
+            <a:r>
+              <a:rPr lang="es-MX" sz="1400" dirty="0" err="1"/>
+              <a:t>Lithgow</a:t>
+            </a:r>
+            <a:r>
+              <a:rPr lang="es-MX" sz="1400" dirty="0"/>
+              <a:t>). Con la ayuda de un burro parlante (Murphy), </a:t>
+            </a:r>
+            <a:r>
+              <a:rPr lang="es-MX" sz="1400" dirty="0" err="1"/>
+              <a:t>Shrek</a:t>
+            </a:r>
+            <a:r>
+              <a:rPr lang="es-MX" sz="1400" dirty="0"/>
+              <a:t> acepta rescatar a la princesa Fiona (</a:t>
+            </a:r>
+            <a:r>
+              <a:rPr lang="es-MX" sz="1400" dirty="0" err="1"/>
+              <a:t>Diaz</a:t>
+            </a:r>
+            <a:r>
+              <a:rPr lang="es-MX" sz="1400" dirty="0"/>
+              <a:t>) para poder recuperar su pantano.</a:t>
+            </a:r>
+          </a:p>
+          <a:p>
+            <a:endParaRPr lang="es-MX" sz="1400" dirty="0"/>
+          </a:p>
+          <a:p>
+            <a:r>
+              <a:rPr lang="es-MX" sz="1400" dirty="0"/>
+              <a:t>Tras adquirir los derechos del libro de </a:t>
+            </a:r>
+            <a:r>
+              <a:rPr lang="es-MX" sz="1400" dirty="0" err="1"/>
+              <a:t>Steig</a:t>
+            </a:r>
+            <a:r>
+              <a:rPr lang="es-MX" sz="1400" dirty="0"/>
+              <a:t> en 1991, Steven Spielberg intentó producir una adaptación cinematográfica de animación tradicional, pero John H. Williams le convenció para que llevara el proyecto a la recién fundada DreamWorks. Jeffrey </a:t>
+            </a:r>
+            <a:r>
+              <a:rPr lang="es-MX" sz="1400" dirty="0" err="1"/>
+              <a:t>Katzenberg</a:t>
+            </a:r>
+            <a:r>
+              <a:rPr lang="es-MX" sz="1400" dirty="0"/>
+              <a:t>, junto con Williams y Aron Warner, empezaron a desarrollar </a:t>
+            </a:r>
+            <a:r>
+              <a:rPr lang="es-MX" sz="1400" dirty="0" err="1"/>
+              <a:t>Shrek</a:t>
+            </a:r>
+            <a:r>
+              <a:rPr lang="es-MX" sz="1400" dirty="0"/>
+              <a:t>, inmediatamente después de que el estudio comprara los derechos a Spielberg. Chris </a:t>
+            </a:r>
+            <a:r>
+              <a:rPr lang="es-MX" sz="1400" dirty="0" err="1"/>
+              <a:t>Farley</a:t>
+            </a:r>
+            <a:r>
+              <a:rPr lang="es-MX" sz="1400" dirty="0"/>
+              <a:t> resultó elegido para poner voz al personaje principal y grabó la mayor parte de los diálogos, pero murió antes de terminar su trabajo en la película; se contrató a Myers para sustituirle y le dio a </a:t>
+            </a:r>
+            <a:r>
+              <a:rPr lang="es-MX" sz="1400" dirty="0" err="1"/>
+              <a:t>Shrek</a:t>
+            </a:r>
+            <a:r>
+              <a:rPr lang="es-MX" sz="1400" dirty="0"/>
+              <a:t> su icónico acento escocés. En un principio, la película iba a crearse mediante captura de movimiento, pero tras los pobres resultados de las pruebas, el estudio contrató a </a:t>
+            </a:r>
+            <a:r>
+              <a:rPr lang="es-MX" sz="1400" dirty="0" err="1"/>
+              <a:t>Pacific</a:t>
+            </a:r>
+            <a:r>
+              <a:rPr lang="es-MX" sz="1400" dirty="0"/>
+              <a:t> Data </a:t>
+            </a:r>
+            <a:r>
+              <a:rPr lang="es-MX" sz="1400" dirty="0" err="1"/>
+              <a:t>Images</a:t>
+            </a:r>
+            <a:r>
+              <a:rPr lang="es-MX" sz="1400" dirty="0"/>
+              <a:t> para completar la animación final por ordenador. </a:t>
+            </a:r>
+            <a:r>
+              <a:rPr lang="es-MX" sz="1400" dirty="0" err="1"/>
+              <a:t>Shrek</a:t>
+            </a:r>
+            <a:r>
+              <a:rPr lang="es-MX" sz="1400" dirty="0"/>
+              <a:t> parodia otras adaptaciones de cuentos de hadas, principalmente películas animadas de Disney.6​</a:t>
+            </a:r>
+          </a:p>
+        </p:txBody>
+      </p:sp>
+    </p:spTree>
+    <p:extLst>
+      <p:ext uri="{BB962C8B-B14F-4D97-AF65-F5344CB8AC3E}">
+        <p14:creationId xmlns:p14="http://schemas.microsoft.com/office/powerpoint/2010/main" val="1124891189"/>
+      </p:ext>
+    </p:extLst>
+  </p:cSld>
+  <p:clrMapOvr>
+    <a:masterClrMapping/>
+  </p:clrMapOvr>
+  <mc:AlternateContent xmlns:mc="http://schemas.openxmlformats.org/markup-compatibility/2006">
+    <mc:Choice xmlns:p14="http://schemas.microsoft.com/office/powerpoint/2010/main" Requires="p14">
+      <p:transition spd="slow" p14:dur="4400">
+        <p14:honeycomb/>
+      </p:transition>
+    </mc:Choice>
+    <mc:Fallback>
+      <p:transition spd="slow">
+        <p:fade/>
+      </p:transition>
+    </mc:Fallback>
+  </mc:AlternateContent>
+  <p:timing>
+    <p:tnLst>
+      <p:par>
+        <p:cTn id="1" dur="indefinite" restart="never" nodeType="tmRoot"/>
+      </p:par>
+    </p:tnLst>
+  </p:timing>
+</p:sld>
+</file>
+
+<file path=ppt/slides/slide7.xml><?xml version="1.0" encoding="utf-8"?>
+<p:sld xmlns:a="http://schemas.openxmlformats.org/drawingml/2006/main" xmlns:r="http://schemas.openxmlformats.org/officeDocument/2006/relationships" xmlns:p="http://schemas.openxmlformats.org/presentationml/2006/main">
+  <p:cSld>
+    <p:spTree>
+      <p:nvGrpSpPr>
+        <p:cNvPr id="1" name=""/>
+        <p:cNvGrpSpPr/>
+        <p:nvPr/>
+      </p:nvGrpSpPr>
+      <p:grpSpPr>
+        <a:xfrm>
+          <a:off x="0" y="0"/>
+          <a:ext cx="0" cy="0"/>
+          <a:chOff x="0" y="0"/>
+          <a:chExt cx="0" cy="0"/>
+        </a:xfrm>
+      </p:grpSpPr>
+      <p:sp>
+        <p:nvSpPr>
+          <p:cNvPr id="4" name="Rectángulo 3"/>
+          <p:cNvSpPr/>
+          <p:nvPr/>
+        </p:nvSpPr>
+        <p:spPr>
+          <a:xfrm>
+            <a:off x="69014" y="0"/>
+            <a:ext cx="12192000" cy="6858000"/>
+          </a:xfrm>
+          <a:prstGeom prst="rect">
+            <a:avLst/>
+          </a:prstGeom>
+          <a:solidFill>
+            <a:schemeClr val="accent1">
+              <a:lumMod val="50000"/>
+            </a:schemeClr>
+          </a:solidFill>
+        </p:spPr>
+        <p:style>
+          <a:lnRef idx="2">
+            <a:schemeClr val="accent1">
+              <a:shade val="50000"/>
+            </a:schemeClr>
+          </a:lnRef>
+          <a:fillRef idx="1">
+            <a:schemeClr val="accent1"/>
+          </a:fillRef>
+          <a:effectRef idx="0">
+            <a:schemeClr val="accent1"/>
+          </a:effectRef>
+          <a:fontRef idx="minor">
+            <a:schemeClr val="lt1"/>
+          </a:fontRef>
+        </p:style>
+        <p:txBody>
+          <a:bodyPr rtlCol="0" anchor="ctr"/>
+          <a:lstStyle/>
+          <a:p>
+            <a:pPr algn="ctr"/>
+            <a:endParaRPr lang="es-MX"/>
+          </a:p>
+        </p:txBody>
+      </p:sp>
+      <p:sp>
+        <p:nvSpPr>
+          <p:cNvPr id="5" name="CuadroTexto 4"/>
+          <p:cNvSpPr txBox="1"/>
+          <p:nvPr/>
+        </p:nvSpPr>
+        <p:spPr>
+          <a:xfrm>
+            <a:off x="5379593" y="349624"/>
+            <a:ext cx="5512526" cy="2246769"/>
+          </a:xfrm>
+          <a:prstGeom prst="rect">
+            <a:avLst/>
+          </a:prstGeom>
+          <a:noFill/>
+        </p:spPr>
+        <p:txBody>
+          <a:bodyPr wrap="square" rtlCol="0">
+            <a:spAutoFit/>
+          </a:bodyPr>
+          <a:lstStyle/>
+          <a:p>
+            <a:r>
+              <a:rPr lang="es-MX" sz="14000" b="1" spc="50" dirty="0" err="1" smtClean="0">
+                <a:ln w="0"/>
+                <a:solidFill>
+                  <a:schemeClr val="bg2"/>
+                </a:solidFill>
+                <a:effectLst>
+                  <a:innerShdw blurRad="63500" dist="50800" dir="13500000">
+                    <a:srgbClr val="000000">
+                      <a:alpha val="50000"/>
+                    </a:srgbClr>
+                  </a:innerShdw>
+                </a:effectLst>
+              </a:rPr>
+              <a:t>Shrek</a:t>
+            </a:r>
+            <a:endParaRPr lang="es-MX" sz="14000" b="1" spc="50" dirty="0" smtClean="0">
+              <a:ln w="0"/>
+              <a:solidFill>
+                <a:schemeClr val="bg2"/>
+              </a:solidFill>
+              <a:effectLst>
+                <a:innerShdw blurRad="63500" dist="50800" dir="13500000">
+                  <a:srgbClr val="000000">
+                    <a:alpha val="50000"/>
+                  </a:srgbClr>
+                </a:innerShdw>
+              </a:effectLst>
+            </a:endParaRPr>
+          </a:p>
+        </p:txBody>
+      </p:sp>
+      <p:sp>
+        <p:nvSpPr>
+          <p:cNvPr id="6" name="Elipse 5"/>
+          <p:cNvSpPr/>
+          <p:nvPr/>
+        </p:nvSpPr>
+        <p:spPr>
+          <a:xfrm>
+            <a:off x="-3213477" y="0"/>
+            <a:ext cx="6609806" cy="6858000"/>
+          </a:xfrm>
+          <a:prstGeom prst="ellipse">
+            <a:avLst/>
+          </a:prstGeom>
+        </p:spPr>
+        <p:style>
+          <a:lnRef idx="2">
+            <a:schemeClr val="accent1">
+              <a:shade val="50000"/>
+            </a:schemeClr>
+          </a:lnRef>
+          <a:fillRef idx="1">
+            <a:schemeClr val="accent1"/>
+          </a:fillRef>
+          <a:effectRef idx="0">
+            <a:schemeClr val="accent1"/>
+          </a:effectRef>
+          <a:fontRef idx="minor">
+            <a:schemeClr val="lt1"/>
+          </a:fontRef>
+        </p:style>
+        <p:txBody>
+          <a:bodyPr rtlCol="0" anchor="ctr"/>
+          <a:lstStyle/>
+          <a:p>
+            <a:pPr algn="ctr"/>
+            <a:endParaRPr lang="es-MX"/>
+          </a:p>
+        </p:txBody>
+      </p:sp>
+      <p:pic>
+        <p:nvPicPr>
+          <p:cNvPr id="1026" name="Picture 2" descr="Shrek (DreamWorks) | Ficción Sin Límites Wiki | Fandom"/>
+          <p:cNvPicPr>
+            <a:picLocks noChangeAspect="1" noChangeArrowheads="1"/>
+          </p:cNvPicPr>
+          <p:nvPr/>
+        </p:nvPicPr>
+        <p:blipFill>
+          <a:blip r:embed="rId3">
+            <a:extLst>
+              <a:ext uri="{28A0092B-C50C-407E-A947-70E740481C1C}">
+                <a14:useLocalDpi xmlns:a14="http://schemas.microsoft.com/office/drawing/2010/main" val="0"/>
+              </a:ext>
+            </a:extLst>
+          </a:blip>
+          <a:srcRect/>
+          <a:stretch>
+            <a:fillRect/>
+          </a:stretch>
+        </p:blipFill>
+        <p:spPr bwMode="auto">
+          <a:xfrm>
+            <a:off x="-244371" y="768289"/>
+            <a:ext cx="11714714" cy="10447080"/>
+          </a:xfrm>
+          <a:prstGeom prst="rect">
+            <a:avLst/>
+          </a:prstGeom>
+          <a:noFill/>
+          <a:extLst>
+            <a:ext uri="{909E8E84-426E-40DD-AFC4-6F175D3DCCD1}">
+              <a14:hiddenFill xmlns:a14="http://schemas.microsoft.com/office/drawing/2010/main">
+                <a:solidFill>
+                  <a:srgbClr val="FFFFFF"/>
+                </a:solidFill>
+              </a14:hiddenFill>
+            </a:ext>
+          </a:extLst>
+        </p:spPr>
+      </p:pic>
+    </p:spTree>
+    <p:extLst>
+      <p:ext uri="{BB962C8B-B14F-4D97-AF65-F5344CB8AC3E}">
+        <p14:creationId xmlns:p14="http://schemas.microsoft.com/office/powerpoint/2010/main" val="1514134491"/>
+      </p:ext>
+    </p:extLst>
+  </p:cSld>
+  <p:clrMapOvr>
+    <a:masterClrMapping/>
+  </p:clrMapOvr>
+  <mc:AlternateContent xmlns:mc="http://schemas.openxmlformats.org/markup-compatibility/2006">
+    <mc:Choice xmlns:p14="http://schemas.microsoft.com/office/powerpoint/2010/main" Requires="p14">
+      <p:transition spd="slow" p14:dur="1400">
+        <p14:ripple/>
+        <p:sndAc>
+          <p:stSnd>
+            <p:snd r:embed="rId2" name="bomb.wav"/>
+          </p:stSnd>
+        </p:sndAc>
+      </p:transition>
+    </mc:Choice>
+    <mc:Fallback>
+      <p:transition spd="slow">
+        <p:fade/>
+        <p:sndAc>
+          <p:stSnd>
+            <p:snd r:embed="rId2" name="bomb.wav"/>
+          </p:stSnd>
+        </p:sndAc>
+      </p:transition>
+    </mc:Fallback>
+  </mc:AlternateContent>
+  <p:timing>
+    <p:tnLst>
+      <p:par>
+        <p:cTn id="1" dur="indefinite" restart="never" nodeType="tmRoot"/>
+      </p:par>
+    </p:tnLst>
+  </p:timing>
+</p:sld>
+</file>
+
+<file path=ppt/slides/slide8.xml><?xml version="1.0" encoding="utf-8"?>
+<p:sld xmlns:a="http://schemas.openxmlformats.org/drawingml/2006/main" xmlns:r="http://schemas.openxmlformats.org/officeDocument/2006/relationships" xmlns:p="http://schemas.openxmlformats.org/presentationml/2006/main">
+  <p:cSld>
+    <p:spTree>
+      <p:nvGrpSpPr>
+        <p:cNvPr id="1" name=""/>
+        <p:cNvGrpSpPr/>
+        <p:nvPr/>
+      </p:nvGrpSpPr>
+      <p:grpSpPr>
+        <a:xfrm>
+          <a:off x="0" y="0"/>
+          <a:ext cx="0" cy="0"/>
+          <a:chOff x="0" y="0"/>
+          <a:chExt cx="0" cy="0"/>
+        </a:xfrm>
+      </p:grpSpPr>
+      <p:sp>
+        <p:nvSpPr>
+          <p:cNvPr id="4" name="Rectángulo 3"/>
+          <p:cNvSpPr/>
+          <p:nvPr/>
+        </p:nvSpPr>
+        <p:spPr>
+          <a:xfrm>
             <a:off x="0" y="0"/>
             <a:ext cx="12192000" cy="6858000"/>
           </a:xfrm>
@@ -3557,13 +5053,13 @@
   <p:clrMapOvr>
     <a:masterClrMapping/>
   </p:clrMapOvr>
-  <mc:AlternateContent xmlns:mc="http://schemas.openxmlformats.org/markup-compatibility/2006">
-    <mc:Choice xmlns:p15="http://schemas.microsoft.com/office/powerpoint/2012/main" Requires="p15">
+  <mc:AlternateContent xmlns:mc="http://schemas.openxmlformats.org/markup-compatibility/2006" xmlns:p15="http://schemas.microsoft.com/office/powerpoint/2012/main">
+    <mc:Choice Requires="p15">
       <p:transition xmlns:p14="http://schemas.microsoft.com/office/powerpoint/2010/main" spd="slow" p14:dur="2000">
         <p15:prstTrans prst="drape"/>
       </p:transition>
     </mc:Choice>
-    <mc:Fallback>
+    <mc:Fallback xmlns="">
       <p:transition spd="slow">
         <p:fade/>
       </p:transition>
